--- a/public/documents/presentation-template.pptx
+++ b/public/documents/presentation-template.pptx
@@ -5,7 +5,7 @@
     <p:sldMasterId id="2147483648" r:id="rId6"/>
   </p:sldMasterIdLst>
   <p:sldIdLst>
-    <p:sldId id="256" r:id="rId7"/>
+    <p:sldId id="260" r:id="rId7"/>
     <p:sldId id="257" r:id="rId8"/>
     <p:sldId id="259" r:id="rId9"/>
   </p:sldIdLst>
@@ -115,7 +115,7 @@
 </file>
 
 <file path=ppt/slideLayouts/slideLayout1.xml><?xml version="1.0" encoding="utf-8"?>
-<p:sldLayout xmlns:a="http://schemas.openxmlformats.org/drawingml/2006/main" xmlns:r="http://schemas.openxmlformats.org/officeDocument/2006/relationships" xmlns:p="http://schemas.openxmlformats.org/presentationml/2006/main" type="title" preserve="1">
+<p:sldLayout xmlns:a="http://schemas.openxmlformats.org/drawingml/2006/main" xmlns:r="http://schemas.openxmlformats.org/officeDocument/2006/relationships" xmlns:p="http://schemas.openxmlformats.org/presentationml/2006/main" preserve="1" userDrawn="1">
   <p:cSld name="Titelfolie">
     <p:spTree>
       <p:nvGrpSpPr>
@@ -139,7 +139,7 @@
         </p:nvSpPr>
         <p:spPr>
           <a:xfrm>
-            <a:off x="2034548" y="4647517"/>
+            <a:off x="1761082" y="4884282"/>
             <a:ext cx="8510621" cy="1708160"/>
           </a:xfrm>
           <a:prstGeom prst="rect">
@@ -320,7 +320,7 @@
         </p:nvSpPr>
         <p:spPr>
           <a:xfrm>
-            <a:off x="1524000" y="3410970"/>
+            <a:off x="1524000" y="3205870"/>
             <a:ext cx="9144000" cy="1092790"/>
           </a:xfrm>
         </p:spPr>
@@ -394,7 +394,7 @@
         </p:nvSpPr>
         <p:spPr>
           <a:xfrm>
-            <a:off x="1524000" y="808038"/>
+            <a:off x="1524000" y="560205"/>
             <a:ext cx="9144000" cy="2359146"/>
           </a:xfrm>
         </p:spPr>
@@ -443,7 +443,7 @@
         </p:blipFill>
         <p:spPr>
           <a:xfrm>
-            <a:off x="766762" y="4647517"/>
+            <a:off x="621482" y="4758615"/>
             <a:ext cx="1047750" cy="1897592"/>
           </a:xfrm>
           <a:prstGeom prst="rect">
@@ -451,6 +451,42 @@
           </a:prstGeom>
         </p:spPr>
       </p:pic>
+      <p:sp>
+        <p:nvSpPr>
+          <p:cNvPr id="5" name="Inhaltsplatzhalter 4"/>
+          <p:cNvSpPr>
+            <a:spLocks noGrp="1"/>
+          </p:cNvSpPr>
+          <p:nvPr>
+            <p:ph sz="quarter" idx="10" hasCustomPrompt="1"/>
+          </p:nvPr>
+        </p:nvSpPr>
+        <p:spPr>
+          <a:xfrm>
+            <a:off x="10668001" y="239713"/>
+            <a:ext cx="1365250" cy="1537812"/>
+          </a:xfrm>
+        </p:spPr>
+        <p:txBody>
+          <a:bodyPr anchor="ctr">
+            <a:normAutofit/>
+          </a:bodyPr>
+          <a:lstStyle>
+            <a:lvl1pPr marL="0" indent="0" algn="ctr">
+              <a:buNone/>
+              <a:defRPr sz="1600"/>
+            </a:lvl1pPr>
+          </a:lstStyle>
+          <a:p>
+            <a:pPr lvl="0"/>
+            <a:r>
+              <a:rPr lang="de-DE" dirty="0" smtClean="0"/>
+              <a:t>Company logo</a:t>
+            </a:r>
+            <a:endParaRPr lang="de-DE" dirty="0"/>
+          </a:p>
+        </p:txBody>
+      </p:sp>
     </p:spTree>
     <p:extLst>
       <p:ext uri="{BB962C8B-B14F-4D97-AF65-F5344CB8AC3E}">
@@ -709,7 +745,7 @@
         </p:nvSpPr>
         <p:spPr>
           <a:xfrm>
-            <a:off x="2187234" y="5992396"/>
+            <a:off x="1813324" y="6140484"/>
             <a:ext cx="1038384" cy="507831"/>
           </a:xfrm>
           <a:prstGeom prst="rect">
@@ -861,7 +897,7 @@
         </p:nvSpPr>
         <p:spPr>
           <a:xfrm>
-            <a:off x="2187234" y="5519191"/>
+            <a:off x="1727864" y="5713446"/>
             <a:ext cx="5016500" cy="427038"/>
           </a:xfrm>
         </p:spPr>
@@ -920,7 +956,7 @@
         </p:blipFill>
         <p:spPr>
           <a:xfrm>
-            <a:off x="781050" y="5438411"/>
+            <a:off x="678498" y="5472595"/>
             <a:ext cx="718672" cy="1301595"/>
           </a:xfrm>
           <a:prstGeom prst="rect">
@@ -1579,8 +1615,8 @@
         </p:blipFill>
         <p:spPr>
           <a:xfrm>
-            <a:off x="0" y="5277562"/>
-            <a:ext cx="12192000" cy="1580437"/>
+            <a:off x="692208" y="5392930"/>
+            <a:ext cx="11499791" cy="1490707"/>
           </a:xfrm>
           <a:prstGeom prst="rect">
             <a:avLst/>
@@ -2074,7 +2110,26 @@
       </p:grpSpPr>
       <p:sp>
         <p:nvSpPr>
-          <p:cNvPr id="2" name="Titel 1"/>
+          <p:cNvPr id="2" name="Untertitel 1"/>
+          <p:cNvSpPr>
+            <a:spLocks noGrp="1"/>
+          </p:cNvSpPr>
+          <p:nvPr>
+            <p:ph type="subTitle" idx="1"/>
+          </p:nvPr>
+        </p:nvSpPr>
+        <p:spPr/>
+        <p:txBody>
+          <a:bodyPr/>
+          <a:lstStyle/>
+          <a:p>
+            <a:endParaRPr lang="de-DE" dirty="0"/>
+          </a:p>
+        </p:txBody>
+      </p:sp>
+      <p:sp>
+        <p:nvSpPr>
+          <p:cNvPr id="3" name="Titel 2"/>
           <p:cNvSpPr>
             <a:spLocks noGrp="1"/>
           </p:cNvSpPr>
@@ -2093,15 +2148,20 @@
       </p:sp>
       <p:sp>
         <p:nvSpPr>
-          <p:cNvPr id="3" name="Untertitel 2"/>
+          <p:cNvPr id="4" name="Inhaltsplatzhalter 3"/>
           <p:cNvSpPr>
             <a:spLocks noGrp="1"/>
           </p:cNvSpPr>
           <p:nvPr>
-            <p:ph type="subTitle" idx="1"/>
+            <p:ph sz="quarter" idx="10"/>
           </p:nvPr>
         </p:nvSpPr>
-        <p:spPr/>
+        <p:spPr>
+          <a:xfrm>
+            <a:off x="10668000" y="170700"/>
+            <a:ext cx="1313491" cy="1537329"/>
+          </a:xfrm>
+        </p:spPr>
         <p:txBody>
           <a:bodyPr/>
           <a:lstStyle/>
@@ -2113,7 +2173,7 @@
     </p:spTree>
     <p:extLst>
       <p:ext uri="{BB962C8B-B14F-4D97-AF65-F5344CB8AC3E}">
-        <p14:creationId xmlns:p14="http://schemas.microsoft.com/office/powerpoint/2010/main" val="2743681980"/>
+        <p14:creationId xmlns:p14="http://schemas.microsoft.com/office/powerpoint/2010/main" val="3910173738"/>
       </p:ext>
     </p:extLst>
   </p:cSld>
@@ -2153,114 +2213,114 @@
         <p:spPr>
           <a:xfrm>
             <a:off x="838200" y="1301160"/>
-            <a:ext cx="10515600" cy="3485153"/>
+            <a:ext cx="10515600" cy="3883315"/>
           </a:xfrm>
         </p:spPr>
         <p:txBody>
-          <a:bodyPr/>
+          <a:bodyPr>
+            <a:normAutofit fontScale="70000" lnSpcReduction="20000"/>
+          </a:bodyPr>
           <a:lstStyle/>
           <a:p>
-            <a:r>
-              <a:rPr lang="en-GB" dirty="0" smtClean="0"/>
+            <a:pPr>
+              <a:lnSpc>
+                <a:spcPct val="110000"/>
+              </a:lnSpc>
+            </a:pPr>
+            <a:r>
+              <a:rPr lang="en-GB" sz="2600" dirty="0" smtClean="0"/>
               <a:t>The presentation should include the research/industry problem, the applied methodology/solution and the conclusions.</a:t>
             </a:r>
           </a:p>
           <a:p>
-            <a:r>
-              <a:rPr lang="en-GB" dirty="0" smtClean="0"/>
-              <a:t>Please </a:t>
-            </a:r>
-            <a:r>
-              <a:rPr lang="en-GB" dirty="0" smtClean="0"/>
-              <a:t>indicate the open issues and further work.</a:t>
-            </a:r>
-          </a:p>
-          <a:p>
-            <a:r>
-              <a:rPr lang="en-GB" dirty="0" smtClean="0"/>
+            <a:pPr>
+              <a:lnSpc>
+                <a:spcPct val="110000"/>
+              </a:lnSpc>
+            </a:pPr>
+            <a:r>
+              <a:rPr lang="en-GB" sz="2600" dirty="0" smtClean="0"/>
+              <a:t>Please indicate the open issues and further work.</a:t>
+            </a:r>
+          </a:p>
+          <a:p>
+            <a:pPr>
+              <a:lnSpc>
+                <a:spcPct val="110000"/>
+              </a:lnSpc>
+            </a:pPr>
+            <a:r>
+              <a:rPr lang="en-GB" sz="2600" dirty="0" smtClean="0"/>
               <a:t>Please try to not overload the slides with text. Pictures, graphs and tables are preferred.</a:t>
             </a:r>
           </a:p>
           <a:p>
-            <a:r>
-              <a:rPr lang="en-US" dirty="0" smtClean="0"/>
-              <a:t>Please avoid </a:t>
-            </a:r>
-            <a:r>
-              <a:rPr lang="en-US" dirty="0"/>
-              <a:t>commercial </a:t>
-            </a:r>
-            <a:r>
-              <a:rPr lang="en-US" dirty="0" smtClean="0"/>
-              <a:t>references and product </a:t>
-            </a:r>
-            <a:r>
-              <a:rPr lang="en-US" dirty="0" err="1" smtClean="0"/>
-              <a:t>advertisment</a:t>
-            </a:r>
-            <a:r>
-              <a:rPr lang="en-US" dirty="0" smtClean="0"/>
+            <a:pPr>
+              <a:lnSpc>
+                <a:spcPct val="110000"/>
+              </a:lnSpc>
+            </a:pPr>
+            <a:r>
+              <a:rPr lang="en-GB" sz="2600" dirty="0" smtClean="0"/>
+              <a:t>Please avoid commercial references and product advertisement.</a:t>
+            </a:r>
+          </a:p>
+          <a:p>
+            <a:pPr>
+              <a:lnSpc>
+                <a:spcPct val="110000"/>
+              </a:lnSpc>
+            </a:pPr>
+            <a:r>
+              <a:rPr lang="en-GB" sz="2600" dirty="0" smtClean="0"/>
+              <a:t>Do not forget to update the footer with the title of your presentation and the name of the presenter.</a:t>
+            </a:r>
+          </a:p>
+          <a:p>
+            <a:pPr>
+              <a:lnSpc>
+                <a:spcPct val="110000"/>
+              </a:lnSpc>
+            </a:pPr>
+            <a:r>
+              <a:rPr lang="en-GB" sz="2600" dirty="0" smtClean="0"/>
+              <a:t>The font type is Open Sans. The smallest font size for text boxes is 16 points. However, the use of a font size of 18 points is recommended.</a:t>
+            </a:r>
+          </a:p>
+          <a:p>
+            <a:pPr>
+              <a:lnSpc>
+                <a:spcPct val="110000"/>
+              </a:lnSpc>
+            </a:pPr>
+            <a:r>
+              <a:rPr lang="en-US" sz="2600" dirty="0"/>
+              <a:t>You can include a logo of your company/institution on the first slide only</a:t>
+            </a:r>
+            <a:r>
+              <a:rPr lang="en-US" sz="2600" dirty="0" smtClean="0"/>
               <a:t>.</a:t>
             </a:r>
-            <a:endParaRPr lang="en-US" dirty="0"/>
-          </a:p>
-          <a:p>
-            <a:r>
-              <a:rPr lang="en-US" dirty="0"/>
-              <a:t>Do not forget to </a:t>
-            </a:r>
-            <a:r>
-              <a:rPr lang="en-US" dirty="0" smtClean="0"/>
-              <a:t>update </a:t>
-            </a:r>
-            <a:r>
-              <a:rPr lang="en-US" dirty="0"/>
-              <a:t>the footer with the title of your presentation and the name of the presenter.</a:t>
-            </a:r>
-          </a:p>
-          <a:p>
-            <a:r>
-              <a:rPr lang="en-GB" dirty="0" smtClean="0"/>
-              <a:t>The font type is Open Sans. </a:t>
-            </a:r>
-            <a:r>
-              <a:rPr lang="en-GB" dirty="0" smtClean="0"/>
-              <a:t>The smallest </a:t>
-            </a:r>
-            <a:r>
-              <a:rPr lang="en-GB" dirty="0" smtClean="0"/>
-              <a:t>font size for text boxes is 16 </a:t>
-            </a:r>
-            <a:r>
-              <a:rPr lang="en-GB" dirty="0" smtClean="0"/>
-              <a:t>points. However, the use of a font size of 18 points is recommended.</a:t>
-            </a:r>
-            <a:endParaRPr lang="en-GB" dirty="0" smtClean="0"/>
-          </a:p>
-          <a:p>
-            <a:r>
-              <a:rPr lang="en-GB" dirty="0" smtClean="0"/>
-              <a:t>You have </a:t>
-            </a:r>
-            <a:r>
-              <a:rPr lang="en-GB" dirty="0" smtClean="0"/>
-              <a:t>10 minutes for </a:t>
-            </a:r>
-            <a:r>
-              <a:rPr lang="en-GB" dirty="0" smtClean="0"/>
-              <a:t>presentation. Please adapt the number of </a:t>
-            </a:r>
-            <a:r>
-              <a:rPr lang="en-GB" smtClean="0"/>
-              <a:t>slides accordingly.</a:t>
-            </a:r>
-            <a:endParaRPr lang="en-GB" dirty="0" smtClean="0"/>
-          </a:p>
-          <a:p>
-            <a:endParaRPr lang="en-GB" dirty="0" smtClean="0"/>
-          </a:p>
-          <a:p>
-            <a:endParaRPr lang="en-GB" dirty="0"/>
+          </a:p>
+          <a:p>
+            <a:pPr>
+              <a:lnSpc>
+                <a:spcPct val="110000"/>
+              </a:lnSpc>
+            </a:pPr>
+            <a:r>
+              <a:rPr lang="en-GB" sz="2600" dirty="0" smtClean="0"/>
+              <a:t>You have 10 minutes for presentation. Please adapt the number of slides </a:t>
+            </a:r>
+            <a:r>
+              <a:rPr lang="en-GB" sz="2600" dirty="0" smtClean="0"/>
+              <a:t>accordingly</a:t>
+            </a:r>
+            <a:r>
+              <a:rPr lang="en-GB" sz="2600" dirty="0"/>
+              <a:t>.</a:t>
+            </a:r>
+            <a:endParaRPr lang="en-GB" sz="2600" dirty="0" smtClean="0"/>
           </a:p>
         </p:txBody>
       </p:sp>
@@ -2302,7 +2362,7 @@
           <a:bodyPr/>
           <a:lstStyle/>
           <a:p>
-            <a:endParaRPr lang="de-DE" dirty="0"/>
+            <a:endParaRPr lang="en-GB" dirty="0"/>
           </a:p>
         </p:txBody>
       </p:sp>
@@ -2316,6 +2376,13 @@
   <p:clrMapOvr>
     <a:masterClrMapping/>
   </p:clrMapOvr>
+  <p:timing>
+    <p:tnLst>
+      <p:par>
+        <p:cTn id="1" dur="indefinite" restart="never" nodeType="tmRoot"/>
+      </p:par>
+    </p:tnLst>
+  </p:timing>
 </p:sld>
 </file>
 
@@ -2351,7 +2418,11 @@
           <a:bodyPr/>
           <a:lstStyle/>
           <a:p>
-            <a:endParaRPr lang="de-DE"/>
+            <a:r>
+              <a:rPr lang="en-GB" dirty="0" smtClean="0"/>
+              <a:t>Add text here</a:t>
+            </a:r>
+            <a:endParaRPr lang="en-GB" dirty="0"/>
           </a:p>
         </p:txBody>
       </p:sp>
@@ -2370,7 +2441,11 @@
           <a:bodyPr/>
           <a:lstStyle/>
           <a:p>
-            <a:endParaRPr lang="de-DE"/>
+            <a:r>
+              <a:rPr lang="en-GB" dirty="0" smtClean="0"/>
+              <a:t>Title</a:t>
+            </a:r>
+            <a:endParaRPr lang="en-GB" dirty="0"/>
           </a:p>
         </p:txBody>
       </p:sp>
@@ -2389,7 +2464,7 @@
           <a:bodyPr/>
           <a:lstStyle/>
           <a:p>
-            <a:endParaRPr lang="de-DE"/>
+            <a:endParaRPr lang="en-GB" dirty="0"/>
           </a:p>
         </p:txBody>
       </p:sp>
@@ -2403,6 +2478,13 @@
   <p:clrMapOvr>
     <a:masterClrMapping/>
   </p:clrMapOvr>
+  <p:timing>
+    <p:tnLst>
+      <p:par>
+        <p:cTn id="1" dur="indefinite" restart="never" nodeType="tmRoot"/>
+      </p:par>
+    </p:tnLst>
+  </p:timing>
 </p:sld>
 </file>
 
@@ -2668,76 +2750,6 @@
 </file>
 
 <file path=customXml/item1.xml><?xml version="1.0" encoding="utf-8"?>
-<?mso-contentType ?>
-<spe:Receivers xmlns:spe="http://schemas.microsoft.com/sharepoint/events">
-  <Receiver>
-    <Name>Document ID Generator</Name>
-    <Synchronization>Synchronous</Synchronization>
-    <Type>10001</Type>
-    <SequenceNumber>1000</SequenceNumber>
-    <Url/>
-    <Assembly>Microsoft.Office.DocumentManagement, Version=16.0.0.0, Culture=neutral, PublicKeyToken=71e9bce111e9429c</Assembly>
-    <Class>Microsoft.Office.DocumentManagement.Internal.DocIdHandler</Class>
-    <Data/>
-    <Filter/>
-  </Receiver>
-  <Receiver>
-    <Name>Document ID Generator</Name>
-    <Synchronization>Synchronous</Synchronization>
-    <Type>10002</Type>
-    <SequenceNumber>1001</SequenceNumber>
-    <Url/>
-    <Assembly>Microsoft.Office.DocumentManagement, Version=16.0.0.0, Culture=neutral, PublicKeyToken=71e9bce111e9429c</Assembly>
-    <Class>Microsoft.Office.DocumentManagement.Internal.DocIdHandler</Class>
-    <Data/>
-    <Filter/>
-  </Receiver>
-  <Receiver>
-    <Name>Document ID Generator</Name>
-    <Synchronization>Synchronous</Synchronization>
-    <Type>10004</Type>
-    <SequenceNumber>1002</SequenceNumber>
-    <Url/>
-    <Assembly>Microsoft.Office.DocumentManagement, Version=16.0.0.0, Culture=neutral, PublicKeyToken=71e9bce111e9429c</Assembly>
-    <Class>Microsoft.Office.DocumentManagement.Internal.DocIdHandler</Class>
-    <Data/>
-    <Filter/>
-  </Receiver>
-  <Receiver>
-    <Name>Document ID Generator</Name>
-    <Synchronization>Synchronous</Synchronization>
-    <Type>10006</Type>
-    <SequenceNumber>1003</SequenceNumber>
-    <Url/>
-    <Assembly>Microsoft.Office.DocumentManagement, Version=16.0.0.0, Culture=neutral, PublicKeyToken=71e9bce111e9429c</Assembly>
-    <Class>Microsoft.Office.DocumentManagement.Internal.DocIdHandler</Class>
-    <Data/>
-    <Filter/>
-  </Receiver>
-</spe:Receivers>
-</file>
-
-<file path=customXml/item2.xml><?xml version="1.0" encoding="utf-8"?>
-<?mso-contentType ?>
-<p:Policy xmlns:p="office.server.policy" id="" local="true">
-  <p:Name>Dokument</p:Name>
-  <p:Description/>
-  <p:Statement/>
-  <p:PolicyItems>
-    <p:PolicyItem featureId="Microsoft.Office.RecordsManagement.PolicyFeatures.PolicyLabel" staticId="0x0101005FD3C2A2A982AA4DA38B26A7A3B6FC56|801092262" UniqueId="556d0858-f19b-46bf-8f26-4558a9938eef">
-      <p:Name>Bezeichnungen</p:Name>
-      <p:Description>Generiert Bezeichnungen, die in Microsoft Office-Dokumente eingefügt werden können, um sicherzustellen, dass Dokumenteigenschaften oder sonstige wichtige Informationen beim Drucken von Dokumenten enthalten sind. Bezeichnungen können auch für die Suche nach Dokumenten verwendet werden.</p:Description>
-      <p:CustomData>
-        <label>
-          <segment type="metadata">_UIVersionString</segment>
-        </label>
-      </p:CustomData>
-    </p:PolicyItem>
-  </p:PolicyItems>
-</p:Policy>
-</file>
-
-<file path=customXml/item3.xml><?xml version="1.0" encoding="utf-8"?>
 <ct:contentTypeSchema xmlns:ct="http://schemas.microsoft.com/office/2006/metadata/contentType" xmlns:ma="http://schemas.microsoft.com/office/2006/metadata/properties/metaAttributes" ct:_="" ma:_="" ma:contentTypeName="Dokument" ma:contentTypeID="0x0101005FD3C2A2A982AA4DA38B26A7A3B6FC56" ma:contentTypeVersion="8" ma:contentTypeDescription="Ein neues Dokument erstellen." ma:contentTypeScope="" ma:versionID="45784e6d36bad67faa351a216a89513f">
   <xsd:schema xmlns:xsd="http://www.w3.org/2001/XMLSchema" xmlns:xs="http://www.w3.org/2001/XMLSchema" xmlns:p="http://schemas.microsoft.com/office/2006/metadata/properties" xmlns:ns1="http://schemas.microsoft.com/sharepoint/v3" xmlns:ns2="565f845c-8bcf-40be-962f-d6cd85ab3a8a" xmlns:ns3="1f53df8b-058d-4062-a5e9-4b16ff8304a3" xmlns:ns4="165eefe7-2290-434e-9d8d-c145711ff539" targetNamespace="http://schemas.microsoft.com/office/2006/metadata/properties" ma:root="true" ma:fieldsID="d715a58c3d71e81a4cd62ec1ebdf5cc6" ns1:_="" ns2:_="" ns3:_="" ns4:_="">
     <xsd:import namespace="http://schemas.microsoft.com/sharepoint/v3"/>
@@ -2951,22 +2963,77 @@
 </ct:contentTypeSchema>
 </file>
 
-<file path=customXml/item4.xml><?xml version="1.0" encoding="utf-8"?>
-<p:properties xmlns:p="http://schemas.microsoft.com/office/2006/metadata/properties" xmlns:xsi="http://www.w3.org/2001/XMLSchema-instance" xmlns:pc="http://schemas.microsoft.com/office/infopath/2007/PartnerControls">
-  <documentManagement>
-    <DLCPolicyLabelValue xmlns="565f845c-8bcf-40be-962f-d6cd85ab3a8a">1.0</DLCPolicyLabelValue>
-    <_dlc_DocId xmlns="1f53df8b-058d-4062-a5e9-4b16ff8304a3">V53QN3DJA4XU-2071791476-3863</_dlc_DocId>
-    <_dlc_DocIdUrl xmlns="1f53df8b-058d-4062-a5e9-4b16ff8304a3">
-      <Url>https://sharepoint.tu-dresden.de/sites/ieeh/ag-powerquality/_layouts/15/DocIdRedir.aspx?ID=V53QN3DJA4XU-2071791476-3863</Url>
-      <Description>V53QN3DJA4XU-2071791476-3863</Description>
-    </_dlc_DocIdUrl>
-    <DLCPolicyLabelClientValue xmlns="565f845c-8bcf-40be-962f-d6cd85ab3a8a" xsi:nil="true"/>
-    <DLCPolicyLabelLock xmlns="565f845c-8bcf-40be-962f-d6cd85ab3a8a" xsi:nil="true"/>
-  </documentManagement>
-</p:properties>
+<file path=customXml/item2.xml><?xml version="1.0" encoding="utf-8"?>
+<?mso-contentType ?>
+<p:Policy xmlns:p="office.server.policy" id="" local="true">
+  <p:Name>Dokument</p:Name>
+  <p:Description/>
+  <p:Statement/>
+  <p:PolicyItems>
+    <p:PolicyItem featureId="Microsoft.Office.RecordsManagement.PolicyFeatures.PolicyLabel" staticId="0x0101005FD3C2A2A982AA4DA38B26A7A3B6FC56|801092262" UniqueId="556d0858-f19b-46bf-8f26-4558a9938eef">
+      <p:Name>Bezeichnungen</p:Name>
+      <p:Description>Generiert Bezeichnungen, die in Microsoft Office-Dokumente eingefügt werden können, um sicherzustellen, dass Dokumenteigenschaften oder sonstige wichtige Informationen beim Drucken von Dokumenten enthalten sind. Bezeichnungen können auch für die Suche nach Dokumenten verwendet werden.</p:Description>
+      <p:CustomData>
+        <label>
+          <segment type="metadata">_UIVersionString</segment>
+        </label>
+      </p:CustomData>
+    </p:PolicyItem>
+  </p:PolicyItems>
+</p:Policy>
 </file>
 
-<file path=customXml/item5.xml><?xml version="1.0" encoding="utf-8"?>
+<file path=customXml/item3.xml><?xml version="1.0" encoding="utf-8"?>
+<?mso-contentType ?>
+<spe:Receivers xmlns:spe="http://schemas.microsoft.com/sharepoint/events">
+  <Receiver>
+    <Name>Document ID Generator</Name>
+    <Synchronization>Synchronous</Synchronization>
+    <Type>10001</Type>
+    <SequenceNumber>1000</SequenceNumber>
+    <Url/>
+    <Assembly>Microsoft.Office.DocumentManagement, Version=16.0.0.0, Culture=neutral, PublicKeyToken=71e9bce111e9429c</Assembly>
+    <Class>Microsoft.Office.DocumentManagement.Internal.DocIdHandler</Class>
+    <Data/>
+    <Filter/>
+  </Receiver>
+  <Receiver>
+    <Name>Document ID Generator</Name>
+    <Synchronization>Synchronous</Synchronization>
+    <Type>10002</Type>
+    <SequenceNumber>1001</SequenceNumber>
+    <Url/>
+    <Assembly>Microsoft.Office.DocumentManagement, Version=16.0.0.0, Culture=neutral, PublicKeyToken=71e9bce111e9429c</Assembly>
+    <Class>Microsoft.Office.DocumentManagement.Internal.DocIdHandler</Class>
+    <Data/>
+    <Filter/>
+  </Receiver>
+  <Receiver>
+    <Name>Document ID Generator</Name>
+    <Synchronization>Synchronous</Synchronization>
+    <Type>10004</Type>
+    <SequenceNumber>1002</SequenceNumber>
+    <Url/>
+    <Assembly>Microsoft.Office.DocumentManagement, Version=16.0.0.0, Culture=neutral, PublicKeyToken=71e9bce111e9429c</Assembly>
+    <Class>Microsoft.Office.DocumentManagement.Internal.DocIdHandler</Class>
+    <Data/>
+    <Filter/>
+  </Receiver>
+  <Receiver>
+    <Name>Document ID Generator</Name>
+    <Synchronization>Synchronous</Synchronization>
+    <Type>10006</Type>
+    <SequenceNumber>1003</SequenceNumber>
+    <Url/>
+    <Assembly>Microsoft.Office.DocumentManagement, Version=16.0.0.0, Culture=neutral, PublicKeyToken=71e9bce111e9429c</Assembly>
+    <Class>Microsoft.Office.DocumentManagement.Internal.DocIdHandler</Class>
+    <Data/>
+    <Filter/>
+  </Receiver>
+</spe:Receivers>
+</file>
+
+<file path=customXml/item4.xml><?xml version="1.0" encoding="utf-8"?>
 <?mso-contentType ?>
 <FormTemplates xmlns="http://schemas.microsoft.com/sharepoint/v3/contenttype/forms">
   <Display>DocumentLibraryForm</Display>
@@ -2975,23 +3042,22 @@
 </FormTemplates>
 </file>
 
-<file path=customXml/itemProps1.xml><?xml version="1.0" encoding="utf-8"?>
-<ds:datastoreItem xmlns:ds="http://schemas.openxmlformats.org/officeDocument/2006/customXml" ds:itemID="{66B1526A-0C49-406F-8EBA-A892E4137656}">
-  <ds:schemaRefs>
-    <ds:schemaRef ds:uri="http://schemas.microsoft.com/sharepoint/events"/>
-  </ds:schemaRefs>
-</ds:datastoreItem>
+<file path=customXml/item5.xml><?xml version="1.0" encoding="utf-8"?>
+<p:properties xmlns:p="http://schemas.microsoft.com/office/2006/metadata/properties" xmlns:xsi="http://www.w3.org/2001/XMLSchema-instance" xmlns:pc="http://schemas.microsoft.com/office/infopath/2007/PartnerControls">
+  <documentManagement>
+    <DLCPolicyLabelValue xmlns="565f845c-8bcf-40be-962f-d6cd85ab3a8a">1.0</DLCPolicyLabelValue>
+    <_dlc_DocId xmlns="1f53df8b-058d-4062-a5e9-4b16ff8304a3">V53QN3DJA4XU-2071791476-3866</_dlc_DocId>
+    <_dlc_DocIdUrl xmlns="1f53df8b-058d-4062-a5e9-4b16ff8304a3">
+      <Url>https://sharepoint.tu-dresden.de/sites/ieeh/ag-powerquality/_layouts/15/DocIdRedir.aspx?ID=V53QN3DJA4XU-2071791476-3866</Url>
+      <Description>V53QN3DJA4XU-2071791476-3866</Description>
+    </_dlc_DocIdUrl>
+    <DLCPolicyLabelClientValue xmlns="565f845c-8bcf-40be-962f-d6cd85ab3a8a" xsi:nil="true"/>
+    <DLCPolicyLabelLock xmlns="565f845c-8bcf-40be-962f-d6cd85ab3a8a" xsi:nil="true"/>
+  </documentManagement>
+</p:properties>
 </file>
 
-<file path=customXml/itemProps2.xml><?xml version="1.0" encoding="utf-8"?>
-<ds:datastoreItem xmlns:ds="http://schemas.openxmlformats.org/officeDocument/2006/customXml" ds:itemID="{9ED5EBD9-D510-4547-BB84-5E2EC6A24E5B}">
-  <ds:schemaRefs>
-    <ds:schemaRef ds:uri="office.server.policy"/>
-  </ds:schemaRefs>
-</ds:datastoreItem>
-</file>
-
-<file path=customXml/itemProps3.xml><?xml version="1.0" encoding="utf-8"?>
+<file path=customXml/itemProps1.xml><?xml version="1.0" encoding="utf-8"?>
 <ds:datastoreItem xmlns:ds="http://schemas.openxmlformats.org/officeDocument/2006/customXml" ds:itemID="{334BAC75-908D-4413-A65A-9E292143AB28}">
   <ds:schemaRefs>
     <ds:schemaRef ds:uri="http://schemas.microsoft.com/office/2006/metadata/contentType"/>
@@ -3012,29 +3078,45 @@
 </ds:datastoreItem>
 </file>
 
+<file path=customXml/itemProps2.xml><?xml version="1.0" encoding="utf-8"?>
+<ds:datastoreItem xmlns:ds="http://schemas.openxmlformats.org/officeDocument/2006/customXml" ds:itemID="{9ED5EBD9-D510-4547-BB84-5E2EC6A24E5B}">
+  <ds:schemaRefs>
+    <ds:schemaRef ds:uri="office.server.policy"/>
+  </ds:schemaRefs>
+</ds:datastoreItem>
+</file>
+
+<file path=customXml/itemProps3.xml><?xml version="1.0" encoding="utf-8"?>
+<ds:datastoreItem xmlns:ds="http://schemas.openxmlformats.org/officeDocument/2006/customXml" ds:itemID="{66B1526A-0C49-406F-8EBA-A892E4137656}">
+  <ds:schemaRefs>
+    <ds:schemaRef ds:uri="http://schemas.microsoft.com/sharepoint/events"/>
+  </ds:schemaRefs>
+</ds:datastoreItem>
+</file>
+
 <file path=customXml/itemProps4.xml><?xml version="1.0" encoding="utf-8"?>
-<ds:datastoreItem xmlns:ds="http://schemas.openxmlformats.org/officeDocument/2006/customXml" ds:itemID="{8ACA1242-9237-4266-801D-336B2D4A6478}">
+<ds:datastoreItem xmlns:ds="http://schemas.openxmlformats.org/officeDocument/2006/customXml" ds:itemID="{5DE51B54-FFA2-44D2-88FD-139E7A0B5F16}">
   <ds:schemaRefs>
-    <ds:schemaRef ds:uri="165eefe7-2290-434e-9d8d-c145711ff539"/>
-    <ds:schemaRef ds:uri="http://schemas.microsoft.com/office/infopath/2007/PartnerControls"/>
-    <ds:schemaRef ds:uri="http://www.w3.org/XML/1998/namespace"/>
-    <ds:schemaRef ds:uri="1f53df8b-058d-4062-a5e9-4b16ff8304a3"/>
-    <ds:schemaRef ds:uri="http://schemas.microsoft.com/office/2006/documentManagement/types"/>
-    <ds:schemaRef ds:uri="565f845c-8bcf-40be-962f-d6cd85ab3a8a"/>
-    <ds:schemaRef ds:uri="http://purl.org/dc/dcmitype/"/>
-    <ds:schemaRef ds:uri="http://purl.org/dc/elements/1.1/"/>
-    <ds:schemaRef ds:uri="http://schemas.microsoft.com/office/2006/metadata/properties"/>
-    <ds:schemaRef ds:uri="http://purl.org/dc/terms/"/>
-    <ds:schemaRef ds:uri="http://schemas.openxmlformats.org/package/2006/metadata/core-properties"/>
-    <ds:schemaRef ds:uri="http://schemas.microsoft.com/sharepoint/v3"/>
+    <ds:schemaRef ds:uri="http://schemas.microsoft.com/sharepoint/v3/contenttype/forms"/>
   </ds:schemaRefs>
 </ds:datastoreItem>
 </file>
 
 <file path=customXml/itemProps5.xml><?xml version="1.0" encoding="utf-8"?>
-<ds:datastoreItem xmlns:ds="http://schemas.openxmlformats.org/officeDocument/2006/customXml" ds:itemID="{5DE51B54-FFA2-44D2-88FD-139E7A0B5F16}">
+<ds:datastoreItem xmlns:ds="http://schemas.openxmlformats.org/officeDocument/2006/customXml" ds:itemID="{8ACA1242-9237-4266-801D-336B2D4A6478}">
   <ds:schemaRefs>
-    <ds:schemaRef ds:uri="http://schemas.microsoft.com/sharepoint/v3/contenttype/forms"/>
+    <ds:schemaRef ds:uri="1f53df8b-058d-4062-a5e9-4b16ff8304a3"/>
+    <ds:schemaRef ds:uri="http://purl.org/dc/elements/1.1/"/>
+    <ds:schemaRef ds:uri="http://schemas.openxmlformats.org/package/2006/metadata/core-properties"/>
+    <ds:schemaRef ds:uri="http://schemas.microsoft.com/office/2006/documentManagement/types"/>
+    <ds:schemaRef ds:uri="http://purl.org/dc/terms/"/>
+    <ds:schemaRef ds:uri="http://schemas.microsoft.com/sharepoint/v3"/>
+    <ds:schemaRef ds:uri="http://purl.org/dc/dcmitype/"/>
+    <ds:schemaRef ds:uri="165eefe7-2290-434e-9d8d-c145711ff539"/>
+    <ds:schemaRef ds:uri="http://schemas.microsoft.com/office/infopath/2007/PartnerControls"/>
+    <ds:schemaRef ds:uri="565f845c-8bcf-40be-962f-d6cd85ab3a8a"/>
+    <ds:schemaRef ds:uri="http://schemas.microsoft.com/office/2006/metadata/properties"/>
+    <ds:schemaRef ds:uri="http://www.w3.org/XML/1998/namespace"/>
   </ds:schemaRefs>
 </ds:datastoreItem>
 </file>